--- a/doc/期末專案筆記.pptx
+++ b/doc/期末專案筆記.pptx
@@ -25,6 +25,8 @@
     <p:sldId id="276" r:id="rId19"/>
     <p:sldId id="277" r:id="rId20"/>
     <p:sldId id="275" r:id="rId21"/>
+    <p:sldId id="280" r:id="rId22"/>
+    <p:sldId id="281" r:id="rId23"/>
   </p:sldIdLst>
   <p:sldSz cx="12192000" cy="6858000"/>
   <p:notesSz cx="6858000" cy="9144000"/>
@@ -152,6 +154,8 @@
             <p14:sldId id="276"/>
             <p14:sldId id="277"/>
             <p14:sldId id="275"/>
+            <p14:sldId id="280"/>
+            <p14:sldId id="281"/>
           </p14:sldIdLst>
         </p14:section>
       </p14:sectionLst>
@@ -6692,10 +6696,6 @@
               <a:rPr lang="zh-TW" altLang="en-US" dirty="0"/>
               <a:t>：图片的文件名</a:t>
             </a:r>
-            <a:r>
-              <a:rPr lang="zh-TW" altLang="en-US" dirty="0"/>
-              <a:t/>
-            </a:r>
             <a:br>
               <a:rPr lang="zh-TW" altLang="en-US" dirty="0"/>
             </a:br>
@@ -6707,10 +6707,6 @@
               <a:rPr lang="zh-TW" altLang="en-US" dirty="0"/>
               <a:t>：标注的物体名称</a:t>
             </a:r>
-            <a:r>
-              <a:rPr lang="zh-TW" altLang="en-US" dirty="0"/>
-              <a:t/>
-            </a:r>
             <a:br>
               <a:rPr lang="zh-TW" altLang="en-US" dirty="0"/>
             </a:br>
@@ -6746,7 +6742,6 @@
               <a:rPr lang="zh-TW" altLang="en-US" dirty="0"/>
               <a:t>：物体位置的左上角、右下角坐标</a:t>
             </a:r>
-            <a:endParaRPr lang="zh-TW" altLang="en-US" dirty="0"/>
           </a:p>
         </p:txBody>
       </p:sp>
@@ -7387,6 +7382,493 @@
 </p:sld>
 </file>
 
+<file path=ppt/slides/slide21.xml><?xml version="1.0" encoding="utf-8"?>
+<p:sld xmlns:a="http://schemas.openxmlformats.org/drawingml/2006/main" xmlns:r="http://schemas.openxmlformats.org/officeDocument/2006/relationships" xmlns:p="http://schemas.openxmlformats.org/presentationml/2006/main">
+  <p:cSld>
+    <p:spTree>
+      <p:nvGrpSpPr>
+        <p:cNvPr id="1" name=""/>
+        <p:cNvGrpSpPr/>
+        <p:nvPr/>
+      </p:nvGrpSpPr>
+      <p:grpSpPr>
+        <a:xfrm>
+          <a:off x="0" y="0"/>
+          <a:ext cx="0" cy="0"/>
+          <a:chOff x="0" y="0"/>
+          <a:chExt cx="0" cy="0"/>
+        </a:xfrm>
+      </p:grpSpPr>
+      <p:sp>
+        <p:nvSpPr>
+          <p:cNvPr id="3" name="內容版面配置區 2"/>
+          <p:cNvSpPr>
+            <a:spLocks noGrp="1"/>
+          </p:cNvSpPr>
+          <p:nvPr>
+            <p:ph idx="1"/>
+          </p:nvPr>
+        </p:nvSpPr>
+        <p:spPr>
+          <a:xfrm>
+            <a:off x="235131" y="705395"/>
+            <a:ext cx="9038871" cy="5335968"/>
+          </a:xfrm>
+        </p:spPr>
+        <p:txBody>
+          <a:bodyPr>
+            <a:normAutofit fontScale="85000" lnSpcReduction="20000"/>
+          </a:bodyPr>
+          <a:lstStyle/>
+          <a:p>
+            <a:endParaRPr lang="en-US" altLang="zh-TW" dirty="0"/>
+          </a:p>
+          <a:p>
+            <a:r>
+              <a:rPr lang="en-US" altLang="zh-TW" dirty="0"/>
+              <a:t>[1] YOLO: Real-Time Object Detection</a:t>
+            </a:r>
+          </a:p>
+          <a:p>
+            <a:r>
+              <a:rPr lang="en-US" altLang="zh-TW" dirty="0"/>
+              <a:t>https://pjreddie.com/darknet/yolo/</a:t>
+            </a:r>
+          </a:p>
+          <a:p>
+            <a:endParaRPr lang="en-US" altLang="zh-TW" dirty="0"/>
+          </a:p>
+          <a:p>
+            <a:r>
+              <a:rPr lang="en-US" altLang="zh-TW" dirty="0"/>
+              <a:t>[2] Microsoft COCO Dataset</a:t>
+            </a:r>
+          </a:p>
+          <a:p>
+            <a:r>
+              <a:rPr lang="en-US" altLang="zh-TW" dirty="0"/>
+              <a:t>http://cocodataset.org/#download</a:t>
+            </a:r>
+          </a:p>
+          <a:p>
+            <a:endParaRPr lang="en-US" altLang="zh-TW" dirty="0"/>
+          </a:p>
+          <a:p>
+            <a:r>
+              <a:rPr lang="en-US" altLang="zh-TW" dirty="0"/>
+              <a:t>[3] CH. Tseng </a:t>
+            </a:r>
+            <a:r>
+              <a:rPr lang="zh-TW" altLang="en-US" dirty="0"/>
+              <a:t>建立自己的</a:t>
+            </a:r>
+            <a:r>
+              <a:rPr lang="en-US" altLang="zh-TW" dirty="0"/>
+              <a:t>YOLO</a:t>
+            </a:r>
+            <a:r>
+              <a:rPr lang="zh-TW" altLang="en-US" dirty="0"/>
+              <a:t>辨識模型</a:t>
+            </a:r>
+            <a:r>
+              <a:rPr lang="en-US" altLang="zh-TW" dirty="0"/>
+              <a:t>–</a:t>
+            </a:r>
+            <a:r>
+              <a:rPr lang="zh-TW" altLang="en-US" dirty="0"/>
+              <a:t>以柑橘辨識為例</a:t>
+            </a:r>
+          </a:p>
+          <a:p>
+            <a:r>
+              <a:rPr lang="en-US" altLang="zh-TW" dirty="0"/>
+              <a:t>https://chtseng.wordpress.com/2018/09/01/%e5%bb%ba%e7%ab%8b%e8%87%aa%e5%b7%b1%e7%9a%84yolo%e8%be%a8%e8%ad%98%e6%a8%a1%e5%9e%8b-%e4%bb%a5%e6%9f%91%e6%a9%98%e8%be%a8%e8%ad%98%e7%82%ba%e4%be%8b/</a:t>
+            </a:r>
+          </a:p>
+          <a:p>
+            <a:endParaRPr lang="en-US" altLang="zh-TW" dirty="0"/>
+          </a:p>
+          <a:p>
+            <a:r>
+              <a:rPr lang="en-US" altLang="zh-TW" dirty="0"/>
+              <a:t>[4] 【3D</a:t>
+            </a:r>
+            <a:r>
+              <a:rPr lang="zh-TW" altLang="en-US" dirty="0"/>
+              <a:t>感測器</a:t>
+            </a:r>
+            <a:r>
+              <a:rPr lang="en-US" altLang="zh-TW" dirty="0"/>
+              <a:t>】</a:t>
+            </a:r>
+            <a:r>
+              <a:rPr lang="zh-TW" altLang="en-US" dirty="0"/>
+              <a:t>如何擷取</a:t>
+            </a:r>
+            <a:r>
+              <a:rPr lang="en-US" altLang="zh-TW" dirty="0"/>
+              <a:t>Intel RealSense™</a:t>
+            </a:r>
+            <a:r>
+              <a:rPr lang="zh-TW" altLang="en-US" dirty="0"/>
+              <a:t>串流影像到</a:t>
+            </a:r>
+            <a:r>
+              <a:rPr lang="en-US" altLang="zh-TW" dirty="0" err="1"/>
+              <a:t>OpenCV</a:t>
+            </a:r>
+            <a:endParaRPr lang="en-US" altLang="zh-TW" dirty="0"/>
+          </a:p>
+          <a:p>
+            <a:r>
+              <a:rPr lang="en-US" altLang="zh-TW" dirty="0"/>
+              <a:t>http://omnixri.blogspot.com/2019/11/3dintel-realsenseopencv.html</a:t>
+            </a:r>
+          </a:p>
+          <a:p>
+            <a:endParaRPr lang="en-US" altLang="zh-TW" dirty="0"/>
+          </a:p>
+          <a:p>
+            <a:r>
+              <a:rPr lang="en-US" altLang="zh-TW" dirty="0"/>
+              <a:t>[5] </a:t>
+            </a:r>
+            <a:r>
+              <a:rPr lang="en-US" altLang="zh-TW" dirty="0" err="1"/>
+              <a:t>Github</a:t>
+            </a:r>
+            <a:r>
+              <a:rPr lang="en-US" altLang="zh-TW" dirty="0"/>
+              <a:t> </a:t>
+            </a:r>
+            <a:r>
+              <a:rPr lang="en-US" altLang="zh-TW" dirty="0" err="1"/>
+              <a:t>OmniXRI</a:t>
+            </a:r>
+            <a:r>
+              <a:rPr lang="en-US" altLang="zh-TW" dirty="0"/>
+              <a:t> </a:t>
+            </a:r>
+            <a:r>
+              <a:rPr lang="en-US" altLang="zh-TW" dirty="0" err="1"/>
+              <a:t>HarvestBot</a:t>
+            </a:r>
+            <a:r>
+              <a:rPr lang="en-US" altLang="zh-TW" dirty="0"/>
+              <a:t> my_yolo3</a:t>
+            </a:r>
+          </a:p>
+          <a:p>
+            <a:r>
+              <a:rPr lang="en-US" altLang="zh-TW" dirty="0"/>
+              <a:t>https://github.com/OmniXRI/OpenVINO_RealSense_HarvestBot/tree/master/my_yolo3</a:t>
+            </a:r>
+          </a:p>
+          <a:p>
+            <a:endParaRPr lang="zh-TW" altLang="en-US" dirty="0"/>
+          </a:p>
+        </p:txBody>
+      </p:sp>
+    </p:spTree>
+    <p:extLst>
+      <p:ext uri="{BB962C8B-B14F-4D97-AF65-F5344CB8AC3E}">
+        <p14:creationId xmlns:p14="http://schemas.microsoft.com/office/powerpoint/2010/main" val="2761842594"/>
+      </p:ext>
+    </p:extLst>
+  </p:cSld>
+  <p:clrMapOvr>
+    <a:masterClrMapping/>
+  </p:clrMapOvr>
+</p:sld>
+</file>
+
+<file path=ppt/slides/slide22.xml><?xml version="1.0" encoding="utf-8"?>
+<p:sld xmlns:a="http://schemas.openxmlformats.org/drawingml/2006/main" xmlns:r="http://schemas.openxmlformats.org/officeDocument/2006/relationships" xmlns:p="http://schemas.openxmlformats.org/presentationml/2006/main">
+  <p:cSld>
+    <p:spTree>
+      <p:nvGrpSpPr>
+        <p:cNvPr id="1" name=""/>
+        <p:cNvGrpSpPr/>
+        <p:nvPr/>
+      </p:nvGrpSpPr>
+      <p:grpSpPr>
+        <a:xfrm>
+          <a:off x="0" y="0"/>
+          <a:ext cx="0" cy="0"/>
+          <a:chOff x="0" y="0"/>
+          <a:chExt cx="0" cy="0"/>
+        </a:xfrm>
+      </p:grpSpPr>
+      <p:sp>
+        <p:nvSpPr>
+          <p:cNvPr id="3" name="內容版面配置區 2"/>
+          <p:cNvSpPr>
+            <a:spLocks noGrp="1"/>
+          </p:cNvSpPr>
+          <p:nvPr>
+            <p:ph idx="1"/>
+          </p:nvPr>
+        </p:nvSpPr>
+        <p:spPr>
+          <a:xfrm>
+            <a:off x="339634" y="561703"/>
+            <a:ext cx="8934368" cy="5479659"/>
+          </a:xfrm>
+        </p:spPr>
+        <p:txBody>
+          <a:bodyPr>
+            <a:normAutofit fontScale="55000" lnSpcReduction="20000"/>
+          </a:bodyPr>
+          <a:lstStyle/>
+          <a:p>
+            <a:r>
+              <a:rPr lang="en-US" altLang="zh-TW" sz="2200" dirty="0"/>
+              <a:t>[6] 【AI</a:t>
+            </a:r>
+            <a:r>
+              <a:rPr lang="zh-TW" altLang="en-US" sz="2200" dirty="0"/>
+              <a:t>实战</a:t>
+            </a:r>
+            <a:r>
+              <a:rPr lang="en-US" altLang="zh-TW" sz="2200" dirty="0"/>
+              <a:t>】</a:t>
+            </a:r>
+            <a:r>
+              <a:rPr lang="zh-TW" altLang="en-US" sz="2200" dirty="0"/>
+              <a:t>手把手教你训练自己的目标检测模型（</a:t>
+            </a:r>
+            <a:r>
+              <a:rPr lang="en-US" altLang="zh-TW" sz="2200" dirty="0"/>
+              <a:t>SSD</a:t>
+            </a:r>
+            <a:r>
+              <a:rPr lang="zh-TW" altLang="en-US" sz="2200" dirty="0"/>
+              <a:t>篇）</a:t>
+            </a:r>
+          </a:p>
+          <a:p>
+            <a:r>
+              <a:rPr lang="en-US" altLang="zh-TW" sz="2200" dirty="0"/>
+              <a:t>https://my.oschina.net/u/876354/blog/1927351</a:t>
+            </a:r>
+          </a:p>
+          <a:p>
+            <a:endParaRPr lang="en-US" altLang="zh-TW" sz="2200" dirty="0"/>
+          </a:p>
+          <a:p>
+            <a:r>
+              <a:rPr lang="en-US" altLang="zh-TW" sz="2200" dirty="0"/>
+              <a:t>[7] </a:t>
+            </a:r>
+            <a:r>
+              <a:rPr lang="zh-TW" altLang="en-US" sz="2200" dirty="0"/>
+              <a:t>影像標註工具</a:t>
+            </a:r>
+            <a:r>
+              <a:rPr lang="en-US" altLang="zh-TW" sz="2200" dirty="0" err="1"/>
+              <a:t>LabelImg</a:t>
+            </a:r>
+            <a:endParaRPr lang="en-US" altLang="zh-TW" sz="2200" dirty="0"/>
+          </a:p>
+          <a:p>
+            <a:r>
+              <a:rPr lang="en-US" altLang="zh-TW" sz="2200" dirty="0"/>
+              <a:t>https://github.com/tzutalin/labelImg</a:t>
+            </a:r>
+          </a:p>
+          <a:p>
+            <a:endParaRPr lang="en-US" altLang="zh-TW" sz="2200" dirty="0"/>
+          </a:p>
+          <a:p>
+            <a:r>
+              <a:rPr lang="en-US" altLang="zh-TW" sz="2200" dirty="0"/>
+              <a:t>[8] 【AI</a:t>
+            </a:r>
+            <a:r>
+              <a:rPr lang="zh-TW" altLang="en-US" sz="2200" dirty="0"/>
+              <a:t>实战</a:t>
+            </a:r>
+            <a:r>
+              <a:rPr lang="en-US" altLang="zh-TW" sz="2200" dirty="0"/>
+              <a:t>】</a:t>
+            </a:r>
+            <a:r>
+              <a:rPr lang="zh-TW" altLang="en-US" sz="2200" dirty="0"/>
+              <a:t>动手训练自己的目标检测模型（</a:t>
+            </a:r>
+            <a:r>
+              <a:rPr lang="en-US" altLang="zh-TW" sz="2200" dirty="0"/>
+              <a:t>YOLO</a:t>
+            </a:r>
+            <a:r>
+              <a:rPr lang="zh-TW" altLang="en-US" sz="2200" dirty="0"/>
+              <a:t>篇）</a:t>
+            </a:r>
+          </a:p>
+          <a:p>
+            <a:r>
+              <a:rPr lang="en-US" altLang="zh-TW" sz="2200" dirty="0"/>
+              <a:t>https://my.oschina.net/u/876354/blog/1927881</a:t>
+            </a:r>
+          </a:p>
+          <a:p>
+            <a:endParaRPr lang="en-US" altLang="zh-TW" sz="2200" dirty="0"/>
+          </a:p>
+          <a:p>
+            <a:r>
+              <a:rPr lang="en-US" altLang="zh-TW" sz="2200" dirty="0"/>
+              <a:t>[9] GitHub </a:t>
+            </a:r>
+            <a:r>
+              <a:rPr lang="en-US" altLang="zh-TW" sz="2200" dirty="0" err="1"/>
+              <a:t>qqwweee</a:t>
+            </a:r>
+            <a:r>
+              <a:rPr lang="en-US" altLang="zh-TW" sz="2200" dirty="0"/>
+              <a:t>/keras-yolo3</a:t>
+            </a:r>
+          </a:p>
+          <a:p>
+            <a:r>
+              <a:rPr lang="en-US" altLang="zh-TW" sz="2200" dirty="0"/>
+              <a:t>https://github.com/qqwweee/keras-yolo3</a:t>
+            </a:r>
+          </a:p>
+          <a:p>
+            <a:endParaRPr lang="en-US" altLang="zh-TW" sz="2200" dirty="0"/>
+          </a:p>
+          <a:p>
+            <a:r>
+              <a:rPr lang="en-US" altLang="zh-TW" sz="2200" dirty="0"/>
+              <a:t>[10] YOLOv3</a:t>
+            </a:r>
+            <a:r>
+              <a:rPr lang="zh-TW" altLang="en-US" sz="2200" dirty="0"/>
+              <a:t>預訓練權重檔</a:t>
+            </a:r>
+          </a:p>
+          <a:p>
+            <a:r>
+              <a:rPr lang="en-US" altLang="zh-TW" sz="2200" dirty="0"/>
+              <a:t>https://pjreddie.com/media/files/yolov3.weights</a:t>
+            </a:r>
+          </a:p>
+          <a:p>
+            <a:endParaRPr lang="en-US" altLang="zh-TW" sz="2200" dirty="0"/>
+          </a:p>
+          <a:p>
+            <a:r>
+              <a:rPr lang="en-US" altLang="zh-TW" sz="2200" dirty="0"/>
+              <a:t>[11] </a:t>
+            </a:r>
+            <a:r>
+              <a:rPr lang="zh-TW" altLang="en-US" sz="2200" dirty="0"/>
+              <a:t>模型转换</a:t>
+            </a:r>
+            <a:r>
+              <a:rPr lang="en-US" altLang="zh-TW" sz="2200" dirty="0"/>
+              <a:t>[yolov3</a:t>
+            </a:r>
+            <a:r>
+              <a:rPr lang="zh-TW" altLang="en-US" sz="2200" dirty="0"/>
+              <a:t>模型在</a:t>
+            </a:r>
+            <a:r>
+              <a:rPr lang="en-US" altLang="zh-TW" sz="2200" dirty="0" err="1"/>
+              <a:t>keras</a:t>
+            </a:r>
+            <a:r>
+              <a:rPr lang="zh-TW" altLang="en-US" sz="2200" dirty="0"/>
+              <a:t>与</a:t>
+            </a:r>
+            <a:r>
+              <a:rPr lang="en-US" altLang="zh-TW" sz="2200" dirty="0" err="1"/>
+              <a:t>darknet</a:t>
+            </a:r>
+            <a:r>
+              <a:rPr lang="zh-TW" altLang="en-US" sz="2200" dirty="0"/>
+              <a:t>之间转换</a:t>
+            </a:r>
+            <a:r>
+              <a:rPr lang="en-US" altLang="zh-TW" sz="2200" dirty="0"/>
+              <a:t>]</a:t>
+            </a:r>
+          </a:p>
+          <a:p>
+            <a:r>
+              <a:rPr lang="en-US" altLang="zh-TW" sz="2200" dirty="0"/>
+              <a:t>https://www.cnblogs.com/shouhuxianjian/p/10567201.html</a:t>
+            </a:r>
+          </a:p>
+          <a:p>
+            <a:endParaRPr lang="en-US" altLang="zh-TW" sz="2200" dirty="0"/>
+          </a:p>
+          <a:p>
+            <a:r>
+              <a:rPr lang="en-US" altLang="zh-TW" sz="2200" dirty="0"/>
+              <a:t>[12] </a:t>
+            </a:r>
+            <a:r>
+              <a:rPr lang="zh-TW" altLang="en-US" sz="2200" dirty="0"/>
+              <a:t>將</a:t>
+            </a:r>
+            <a:r>
+              <a:rPr lang="en-US" altLang="zh-TW" sz="2200" dirty="0" err="1"/>
+              <a:t>keras</a:t>
+            </a:r>
+            <a:r>
+              <a:rPr lang="zh-TW" altLang="en-US" sz="2200" dirty="0"/>
+              <a:t>的</a:t>
+            </a:r>
+            <a:r>
+              <a:rPr lang="en-US" altLang="zh-TW" sz="2200" dirty="0"/>
+              <a:t>h5</a:t>
+            </a:r>
+            <a:r>
+              <a:rPr lang="zh-TW" altLang="en-US" sz="2200" dirty="0"/>
+              <a:t>模型轉換爲</a:t>
+            </a:r>
+            <a:r>
+              <a:rPr lang="en-US" altLang="zh-TW" sz="2200" dirty="0" err="1"/>
+              <a:t>tensorflow</a:t>
+            </a:r>
+            <a:r>
+              <a:rPr lang="zh-TW" altLang="en-US" sz="2200" dirty="0"/>
+              <a:t>的</a:t>
+            </a:r>
+            <a:r>
+              <a:rPr lang="en-US" altLang="zh-TW" sz="2200" dirty="0" err="1"/>
+              <a:t>pb</a:t>
+            </a:r>
+            <a:r>
+              <a:rPr lang="zh-TW" altLang="en-US" sz="2200" dirty="0"/>
+              <a:t>模型</a:t>
+            </a:r>
+          </a:p>
+          <a:p>
+            <a:r>
+              <a:rPr lang="en-US" altLang="zh-TW" sz="2200" dirty="0"/>
+              <a:t>https://www.twblogs.net/a/5bfae8b4bd9eee7aed32c9bb</a:t>
+            </a:r>
+          </a:p>
+          <a:p>
+            <a:endParaRPr lang="zh-TW" altLang="en-US" dirty="0"/>
+          </a:p>
+        </p:txBody>
+      </p:sp>
+    </p:spTree>
+    <p:extLst>
+      <p:ext uri="{BB962C8B-B14F-4D97-AF65-F5344CB8AC3E}">
+        <p14:creationId xmlns:p14="http://schemas.microsoft.com/office/powerpoint/2010/main" val="2871610930"/>
+      </p:ext>
+    </p:extLst>
+  </p:cSld>
+  <p:clrMapOvr>
+    <a:masterClrMapping/>
+  </p:clrMapOvr>
+</p:sld>
+</file>
+
 <file path=ppt/slides/slide3.xml><?xml version="1.0" encoding="utf-8"?>
 <p:sld xmlns:a="http://schemas.openxmlformats.org/drawingml/2006/main" xmlns:r="http://schemas.openxmlformats.org/officeDocument/2006/relationships" xmlns:p="http://schemas.openxmlformats.org/presentationml/2006/main">
   <p:cSld>
@@ -8120,7 +8602,7 @@
               <a:p>
                 <a14:m>
                   <m:oMath xmlns:m="http://schemas.openxmlformats.org/officeDocument/2006/math">
-                    <a:fld id="{A5E60A43-6E60-4D4A-9D5F-96ED8C67FBCF}" type="mathplaceholder">
+                    <a:fld id="{9044F8DC-F586-4355-9596-E18497B319A8}" type="mathplaceholder">
                       <a:rPr lang="zh-TW" altLang="en-US" b="1" i="1" smtClean="0">
                         <a:latin typeface="Cambria Math" panose="02040503050406030204" pitchFamily="18" charset="0"/>
                       </a:rPr>
